--- a/Database Presentation.pptx
+++ b/Database Presentation.pptx
@@ -7623,10 +7623,10 @@
       </p:grpSpPr>
       <p:pic>
         <p:nvPicPr>
-          <p:cNvPr id="4104" name="Picture 8" descr="https://raw.githubusercontent.com/Droulard/DatabaseProject-/master/ER%20Diagram.png?token=AuByzVcW1Hi1ZXb7ZyFmPoKl0ubojuaWks5crl6jwA%3D%3D">
+          <p:cNvPr id="1026" name="Picture 2" descr="https://raw.githubusercontent.com/Droulard/Blood-Banks/master/ER%20Diagram.png?token=AuByzXj-HGrS6ektaCgfzewj2MQsryGCks5crmDfwA%3D%3D">
             <a:extLst>
               <a:ext uri="{FF2B5EF4-FFF2-40B4-BE49-F238E27FC236}">
-                <a16:creationId xmlns:a16="http://schemas.microsoft.com/office/drawing/2014/main" id="{5D8A7179-3830-459C-8D9C-AC3452A70150}"/>
+                <a16:creationId xmlns:a16="http://schemas.microsoft.com/office/drawing/2014/main" id="{4DEC91D7-747E-4F96-BA64-2647DE8FD786}"/>
               </a:ext>
             </a:extLst>
           </p:cNvPr>
@@ -7650,8 +7650,8 @@
         </p:blipFill>
         <p:spPr bwMode="auto">
           <a:xfrm>
-            <a:off x="2233613" y="0"/>
-            <a:ext cx="7724775" cy="6858000"/>
+            <a:off x="2500313" y="0"/>
+            <a:ext cx="7189787" cy="6858000"/>
           </a:xfrm>
           <a:prstGeom prst="rect">
             <a:avLst/>
